--- a/Diapos Vinci.pptx
+++ b/Diapos Vinci.pptx
@@ -6854,23 +6854,7 @@
                   <a:schemeClr val="bg1"/>
                 </a:solidFill>
               </a:rPr>
-              <a:t>: ambemou loba(chef d’</a:t>
-            </a:r>
-            <a:r>
-              <a:rPr lang="fr-FR" dirty="0" err="1">
-                <a:solidFill>
-                  <a:schemeClr val="bg1"/>
-                </a:solidFill>
-              </a:rPr>
-              <a:t>equipe</a:t>
-            </a:r>
-            <a:r>
-              <a:rPr lang="fr-FR" dirty="0">
-                <a:solidFill>
-                  <a:schemeClr val="bg1"/>
-                </a:solidFill>
-              </a:rPr>
-              <a:t>), </a:t>
+              <a:t>: ambemou loba(chef d’équipe), </a:t>
             </a:r>
             <a:r>
               <a:rPr lang="fr-FR" dirty="0" err="1">
